--- a/SPIE2019/Manuscript/Manuscript/Image/Fig.pptx
+++ b/SPIE2019/Manuscript/Manuscript/Image/Fig.pptx
@@ -7,7 +7,8 @@
   <p:sldIdLst>
     <p:sldId id="256" r:id="rId2"/>
     <p:sldId id="257" r:id="rId3"/>
-    <p:sldId id="258" r:id="rId4"/>
+    <p:sldId id="259" r:id="rId4"/>
+    <p:sldId id="260" r:id="rId5"/>
   </p:sldIdLst>
   <p:sldSz cx="12192000" cy="6858000"/>
   <p:notesSz cx="6858000" cy="9144000"/>
@@ -304,7 +305,7 @@
           <a:p>
             <a:fld id="{D997B5FA-0921-464F-AAE1-844C04324D75}" type="datetimeFigureOut">
               <a:rPr lang="zh-CN" altLang="en-US" smtClean="0"/>
-              <a:t>2019/1/15</a:t>
+              <a:t>2019/1/18</a:t>
             </a:fld>
             <a:endParaRPr lang="zh-CN" altLang="en-US"/>
           </a:p>
@@ -472,7 +473,7 @@
           <a:p>
             <a:fld id="{D997B5FA-0921-464F-AAE1-844C04324D75}" type="datetimeFigureOut">
               <a:rPr lang="zh-CN" altLang="en-US" smtClean="0"/>
-              <a:t>2019/1/15</a:t>
+              <a:t>2019/1/18</a:t>
             </a:fld>
             <a:endParaRPr lang="zh-CN" altLang="en-US"/>
           </a:p>
@@ -650,7 +651,7 @@
           <a:p>
             <a:fld id="{D997B5FA-0921-464F-AAE1-844C04324D75}" type="datetimeFigureOut">
               <a:rPr lang="zh-CN" altLang="en-US" smtClean="0"/>
-              <a:t>2019/1/15</a:t>
+              <a:t>2019/1/18</a:t>
             </a:fld>
             <a:endParaRPr lang="zh-CN" altLang="en-US"/>
           </a:p>
@@ -818,7 +819,7 @@
           <a:p>
             <a:fld id="{D997B5FA-0921-464F-AAE1-844C04324D75}" type="datetimeFigureOut">
               <a:rPr lang="zh-CN" altLang="en-US" smtClean="0"/>
-              <a:t>2019/1/15</a:t>
+              <a:t>2019/1/18</a:t>
             </a:fld>
             <a:endParaRPr lang="zh-CN" altLang="en-US"/>
           </a:p>
@@ -1063,7 +1064,7 @@
           <a:p>
             <a:fld id="{D997B5FA-0921-464F-AAE1-844C04324D75}" type="datetimeFigureOut">
               <a:rPr lang="zh-CN" altLang="en-US" smtClean="0"/>
-              <a:t>2019/1/15</a:t>
+              <a:t>2019/1/18</a:t>
             </a:fld>
             <a:endParaRPr lang="zh-CN" altLang="en-US"/>
           </a:p>
@@ -1348,7 +1349,7 @@
           <a:p>
             <a:fld id="{D997B5FA-0921-464F-AAE1-844C04324D75}" type="datetimeFigureOut">
               <a:rPr lang="zh-CN" altLang="en-US" smtClean="0"/>
-              <a:t>2019/1/15</a:t>
+              <a:t>2019/1/18</a:t>
             </a:fld>
             <a:endParaRPr lang="zh-CN" altLang="en-US"/>
           </a:p>
@@ -1767,7 +1768,7 @@
           <a:p>
             <a:fld id="{D997B5FA-0921-464F-AAE1-844C04324D75}" type="datetimeFigureOut">
               <a:rPr lang="zh-CN" altLang="en-US" smtClean="0"/>
-              <a:t>2019/1/15</a:t>
+              <a:t>2019/1/18</a:t>
             </a:fld>
             <a:endParaRPr lang="zh-CN" altLang="en-US"/>
           </a:p>
@@ -1884,7 +1885,7 @@
           <a:p>
             <a:fld id="{D997B5FA-0921-464F-AAE1-844C04324D75}" type="datetimeFigureOut">
               <a:rPr lang="zh-CN" altLang="en-US" smtClean="0"/>
-              <a:t>2019/1/15</a:t>
+              <a:t>2019/1/18</a:t>
             </a:fld>
             <a:endParaRPr lang="zh-CN" altLang="en-US"/>
           </a:p>
@@ -1979,7 +1980,7 @@
           <a:p>
             <a:fld id="{D997B5FA-0921-464F-AAE1-844C04324D75}" type="datetimeFigureOut">
               <a:rPr lang="zh-CN" altLang="en-US" smtClean="0"/>
-              <a:t>2019/1/15</a:t>
+              <a:t>2019/1/18</a:t>
             </a:fld>
             <a:endParaRPr lang="zh-CN" altLang="en-US"/>
           </a:p>
@@ -2254,7 +2255,7 @@
           <a:p>
             <a:fld id="{D997B5FA-0921-464F-AAE1-844C04324D75}" type="datetimeFigureOut">
               <a:rPr lang="zh-CN" altLang="en-US" smtClean="0"/>
-              <a:t>2019/1/15</a:t>
+              <a:t>2019/1/18</a:t>
             </a:fld>
             <a:endParaRPr lang="zh-CN" altLang="en-US"/>
           </a:p>
@@ -2506,7 +2507,7 @@
           <a:p>
             <a:fld id="{D997B5FA-0921-464F-AAE1-844C04324D75}" type="datetimeFigureOut">
               <a:rPr lang="zh-CN" altLang="en-US" smtClean="0"/>
-              <a:t>2019/1/15</a:t>
+              <a:t>2019/1/18</a:t>
             </a:fld>
             <a:endParaRPr lang="zh-CN" altLang="en-US"/>
           </a:p>
@@ -2717,7 +2718,7 @@
           <a:p>
             <a:fld id="{D997B5FA-0921-464F-AAE1-844C04324D75}" type="datetimeFigureOut">
               <a:rPr lang="zh-CN" altLang="en-US" smtClean="0"/>
-              <a:t>2019/1/15</a:t>
+              <a:t>2019/1/18</a:t>
             </a:fld>
             <a:endParaRPr lang="zh-CN" altLang="en-US"/>
           </a:p>
@@ -6001,82 +6002,643 @@
           <a:chExt cx="0" cy="0"/>
         </a:xfrm>
       </p:grpSpPr>
-      <p:pic>
-        <p:nvPicPr>
-          <p:cNvPr id="3" name="图片 2">
+      <p:grpSp>
+        <p:nvGrpSpPr>
+          <p:cNvPr id="15" name="组合 14">
             <a:extLst>
               <a:ext uri="{FF2B5EF4-FFF2-40B4-BE49-F238E27FC236}">
-                <a16:creationId xmlns:a16="http://schemas.microsoft.com/office/drawing/2014/main" id="{46B71625-530F-41AA-9FFE-6B68A0DE2366}"/>
+                <a16:creationId xmlns:a16="http://schemas.microsoft.com/office/drawing/2014/main" id="{289F9BE7-F2F9-43EC-B862-DAF66DFA769E}"/>
               </a:ext>
             </a:extLst>
           </p:cNvPr>
-          <p:cNvPicPr>
-            <a:picLocks noChangeAspect="1"/>
-          </p:cNvPicPr>
+          <p:cNvGrpSpPr/>
           <p:nvPr/>
-        </p:nvPicPr>
-        <p:blipFill>
-          <a:blip r:embed="rId2">
-            <a:extLst>
-              <a:ext uri="{28A0092B-C50C-407E-A947-70E740481C1C}">
-                <a14:useLocalDpi xmlns:a14="http://schemas.microsoft.com/office/drawing/2010/main" val="0"/>
-              </a:ext>
-            </a:extLst>
-          </a:blip>
-          <a:stretch>
-            <a:fillRect/>
-          </a:stretch>
-        </p:blipFill>
-        <p:spPr>
+        </p:nvGrpSpPr>
+        <p:grpSpPr>
           <a:xfrm>
-            <a:off x="2790363" y="23337"/>
-            <a:ext cx="6611273" cy="6811326"/>
+            <a:off x="1461516" y="1303020"/>
+            <a:ext cx="8817420" cy="3786621"/>
+            <a:chOff x="1560576" y="243840"/>
+            <a:chExt cx="8817420" cy="3786621"/>
           </a:xfrm>
-          <a:prstGeom prst="rect">
-            <a:avLst/>
-          </a:prstGeom>
-        </p:spPr>
-      </p:pic>
-      <p:sp>
-        <p:nvSpPr>
-          <p:cNvPr id="4" name="文本框 3">
+        </p:grpSpPr>
+        <p:pic>
+          <p:nvPicPr>
+            <p:cNvPr id="3" name="图片 2">
+              <a:extLst>
+                <a:ext uri="{FF2B5EF4-FFF2-40B4-BE49-F238E27FC236}">
+                  <a16:creationId xmlns:a16="http://schemas.microsoft.com/office/drawing/2014/main" id="{D501B29B-7E0B-4EA8-8CCC-00DC73CC3A79}"/>
+                </a:ext>
+              </a:extLst>
+            </p:cNvPr>
+            <p:cNvPicPr>
+              <a:picLocks noChangeAspect="1"/>
+            </p:cNvPicPr>
+            <p:nvPr/>
+          </p:nvPicPr>
+          <p:blipFill>
+            <a:blip r:embed="rId2">
+              <a:extLst>
+                <a:ext uri="{28A0092B-C50C-407E-A947-70E740481C1C}">
+                  <a14:useLocalDpi xmlns:a14="http://schemas.microsoft.com/office/drawing/2010/main" val="0"/>
+                </a:ext>
+              </a:extLst>
+            </a:blip>
+            <a:stretch>
+              <a:fillRect/>
+            </a:stretch>
+          </p:blipFill>
+          <p:spPr>
+            <a:xfrm>
+              <a:off x="7466120" y="267751"/>
+              <a:ext cx="2906312" cy="1874110"/>
+            </a:xfrm>
+            <a:prstGeom prst="rect">
+              <a:avLst/>
+            </a:prstGeom>
+          </p:spPr>
+        </p:pic>
+        <p:pic>
+          <p:nvPicPr>
+            <p:cNvPr id="5" name="图片 4">
+              <a:extLst>
+                <a:ext uri="{FF2B5EF4-FFF2-40B4-BE49-F238E27FC236}">
+                  <a16:creationId xmlns:a16="http://schemas.microsoft.com/office/drawing/2014/main" id="{1B8391C4-B77B-4D93-9D8D-62EAACC9F055}"/>
+                </a:ext>
+              </a:extLst>
+            </p:cNvPr>
+            <p:cNvPicPr>
+              <a:picLocks noChangeAspect="1"/>
+            </p:cNvPicPr>
+            <p:nvPr/>
+          </p:nvPicPr>
+          <p:blipFill>
+            <a:blip r:embed="rId3">
+              <a:extLst>
+                <a:ext uri="{28A0092B-C50C-407E-A947-70E740481C1C}">
+                  <a14:useLocalDpi xmlns:a14="http://schemas.microsoft.com/office/drawing/2010/main" val="0"/>
+                </a:ext>
+              </a:extLst>
+            </a:blip>
+            <a:stretch>
+              <a:fillRect/>
+            </a:stretch>
+          </p:blipFill>
+          <p:spPr>
+            <a:xfrm>
+              <a:off x="1560576" y="243840"/>
+              <a:ext cx="2999232" cy="1907575"/>
+            </a:xfrm>
+            <a:prstGeom prst="rect">
+              <a:avLst/>
+            </a:prstGeom>
+          </p:spPr>
+        </p:pic>
+        <p:pic>
+          <p:nvPicPr>
+            <p:cNvPr id="7" name="图片 6">
+              <a:extLst>
+                <a:ext uri="{FF2B5EF4-FFF2-40B4-BE49-F238E27FC236}">
+                  <a16:creationId xmlns:a16="http://schemas.microsoft.com/office/drawing/2014/main" id="{A06C5426-4AC0-47B2-97A6-BFB4EA9AE597}"/>
+                </a:ext>
+              </a:extLst>
+            </p:cNvPr>
+            <p:cNvPicPr>
+              <a:picLocks noChangeAspect="1"/>
+            </p:cNvPicPr>
+            <p:nvPr/>
+          </p:nvPicPr>
+          <p:blipFill>
+            <a:blip r:embed="rId4">
+              <a:extLst>
+                <a:ext uri="{28A0092B-C50C-407E-A947-70E740481C1C}">
+                  <a14:useLocalDpi xmlns:a14="http://schemas.microsoft.com/office/drawing/2010/main" val="0"/>
+                </a:ext>
+              </a:extLst>
+            </a:blip>
+            <a:stretch>
+              <a:fillRect/>
+            </a:stretch>
+          </p:blipFill>
+          <p:spPr>
+            <a:xfrm>
+              <a:off x="4559808" y="267751"/>
+              <a:ext cx="2906312" cy="1873346"/>
+            </a:xfrm>
+            <a:prstGeom prst="rect">
+              <a:avLst/>
+            </a:prstGeom>
+          </p:spPr>
+        </p:pic>
+        <p:pic>
+          <p:nvPicPr>
+            <p:cNvPr id="9" name="图片 8">
+              <a:extLst>
+                <a:ext uri="{FF2B5EF4-FFF2-40B4-BE49-F238E27FC236}">
+                  <a16:creationId xmlns:a16="http://schemas.microsoft.com/office/drawing/2014/main" id="{BF31D0BB-CD25-402A-B4EE-F83133F483CB}"/>
+                </a:ext>
+              </a:extLst>
+            </p:cNvPr>
+            <p:cNvPicPr>
+              <a:picLocks noChangeAspect="1"/>
+            </p:cNvPicPr>
+            <p:nvPr/>
+          </p:nvPicPr>
+          <p:blipFill>
+            <a:blip r:embed="rId5">
+              <a:extLst>
+                <a:ext uri="{28A0092B-C50C-407E-A947-70E740481C1C}">
+                  <a14:useLocalDpi xmlns:a14="http://schemas.microsoft.com/office/drawing/2010/main" val="0"/>
+                </a:ext>
+              </a:extLst>
+            </a:blip>
+            <a:stretch>
+              <a:fillRect/>
+            </a:stretch>
+          </p:blipFill>
+          <p:spPr>
+            <a:xfrm>
+              <a:off x="7499797" y="2139345"/>
+              <a:ext cx="2878199" cy="1891116"/>
+            </a:xfrm>
+            <a:prstGeom prst="rect">
+              <a:avLst/>
+            </a:prstGeom>
+          </p:spPr>
+        </p:pic>
+        <p:pic>
+          <p:nvPicPr>
+            <p:cNvPr id="11" name="图片 10">
+              <a:extLst>
+                <a:ext uri="{FF2B5EF4-FFF2-40B4-BE49-F238E27FC236}">
+                  <a16:creationId xmlns:a16="http://schemas.microsoft.com/office/drawing/2014/main" id="{6611C0D5-F38E-4FDB-9FAE-39A55DF21FF1}"/>
+                </a:ext>
+              </a:extLst>
+            </p:cNvPr>
+            <p:cNvPicPr>
+              <a:picLocks noChangeAspect="1"/>
+            </p:cNvPicPr>
+            <p:nvPr/>
+          </p:nvPicPr>
+          <p:blipFill>
+            <a:blip r:embed="rId6">
+              <a:extLst>
+                <a:ext uri="{28A0092B-C50C-407E-A947-70E740481C1C}">
+                  <a14:useLocalDpi xmlns:a14="http://schemas.microsoft.com/office/drawing/2010/main" val="0"/>
+                </a:ext>
+              </a:extLst>
+            </a:blip>
+            <a:stretch>
+              <a:fillRect/>
+            </a:stretch>
+          </p:blipFill>
+          <p:spPr>
+            <a:xfrm>
+              <a:off x="1560576" y="2141097"/>
+              <a:ext cx="3017196" cy="1873346"/>
+            </a:xfrm>
+            <a:prstGeom prst="rect">
+              <a:avLst/>
+            </a:prstGeom>
+          </p:spPr>
+        </p:pic>
+        <p:pic>
+          <p:nvPicPr>
+            <p:cNvPr id="13" name="图片 12">
+              <a:extLst>
+                <a:ext uri="{FF2B5EF4-FFF2-40B4-BE49-F238E27FC236}">
+                  <a16:creationId xmlns:a16="http://schemas.microsoft.com/office/drawing/2014/main" id="{91AC3C49-CEB1-4C74-8382-92A6FBC6DF10}"/>
+                </a:ext>
+              </a:extLst>
+            </p:cNvPr>
+            <p:cNvPicPr>
+              <a:picLocks noChangeAspect="1"/>
+            </p:cNvPicPr>
+            <p:nvPr/>
+          </p:nvPicPr>
+          <p:blipFill>
+            <a:blip r:embed="rId7">
+              <a:extLst>
+                <a:ext uri="{28A0092B-C50C-407E-A947-70E740481C1C}">
+                  <a14:useLocalDpi xmlns:a14="http://schemas.microsoft.com/office/drawing/2010/main" val="0"/>
+                </a:ext>
+              </a:extLst>
+            </a:blip>
+            <a:stretch>
+              <a:fillRect/>
+            </a:stretch>
+          </p:blipFill>
+          <p:spPr>
+            <a:xfrm>
+              <a:off x="4587981" y="2173638"/>
+              <a:ext cx="2887017" cy="1847946"/>
+            </a:xfrm>
+            <a:prstGeom prst="rect">
+              <a:avLst/>
+            </a:prstGeom>
+          </p:spPr>
+        </p:pic>
+      </p:grpSp>
+    </p:spTree>
+    <p:extLst>
+      <p:ext uri="{BB962C8B-B14F-4D97-AF65-F5344CB8AC3E}">
+        <p14:creationId xmlns:p14="http://schemas.microsoft.com/office/powerpoint/2010/main" val="552134766"/>
+      </p:ext>
+    </p:extLst>
+  </p:cSld>
+  <p:clrMapOvr>
+    <a:masterClrMapping/>
+  </p:clrMapOvr>
+</p:sld>
+</file>
+
+<file path=ppt/slides/slide4.xml><?xml version="1.0" encoding="utf-8"?>
+<p:sld xmlns:a="http://schemas.openxmlformats.org/drawingml/2006/main" xmlns:r="http://schemas.openxmlformats.org/officeDocument/2006/relationships" xmlns:p="http://schemas.openxmlformats.org/presentationml/2006/main">
+  <p:cSld>
+    <p:spTree>
+      <p:nvGrpSpPr>
+        <p:cNvPr id="1" name=""/>
+        <p:cNvGrpSpPr/>
+        <p:nvPr/>
+      </p:nvGrpSpPr>
+      <p:grpSpPr>
+        <a:xfrm>
+          <a:off x="0" y="0"/>
+          <a:ext cx="0" cy="0"/>
+          <a:chOff x="0" y="0"/>
+          <a:chExt cx="0" cy="0"/>
+        </a:xfrm>
+      </p:grpSpPr>
+      <p:grpSp>
+        <p:nvGrpSpPr>
+          <p:cNvPr id="21" name="组合 20">
             <a:extLst>
               <a:ext uri="{FF2B5EF4-FFF2-40B4-BE49-F238E27FC236}">
-                <a16:creationId xmlns:a16="http://schemas.microsoft.com/office/drawing/2014/main" id="{9CDFA326-47C6-4032-8061-50D2478D6C94}"/>
+                <a16:creationId xmlns:a16="http://schemas.microsoft.com/office/drawing/2014/main" id="{5F4B396C-55E4-4C25-8069-10BF1B3D8D74}"/>
               </a:ext>
             </a:extLst>
           </p:cNvPr>
-          <p:cNvSpPr txBox="1"/>
+          <p:cNvGrpSpPr/>
           <p:nvPr/>
-        </p:nvSpPr>
-        <p:spPr>
+        </p:nvGrpSpPr>
+        <p:grpSpPr>
           <a:xfrm>
-            <a:off x="3533312" y="310718"/>
-            <a:ext cx="594804" cy="584775"/>
+            <a:off x="2358224" y="647451"/>
+            <a:ext cx="6258417" cy="4935365"/>
+            <a:chOff x="2358224" y="647451"/>
+            <a:chExt cx="6258417" cy="4935365"/>
           </a:xfrm>
-          <a:prstGeom prst="rect">
-            <a:avLst/>
-          </a:prstGeom>
-          <a:noFill/>
-        </p:spPr>
-        <p:txBody>
-          <a:bodyPr wrap="square" rtlCol="0">
-            <a:spAutoFit/>
-          </a:bodyPr>
-          <a:lstStyle/>
-          <a:p>
-            <a:r>
-              <a:rPr lang="en-US" altLang="zh-CN" sz="3200" dirty="0"/>
-              <a:t>(b)</a:t>
-            </a:r>
-            <a:endParaRPr lang="zh-CN" altLang="en-US" sz="3200" dirty="0"/>
-          </a:p>
-        </p:txBody>
-      </p:sp>
+        </p:grpSpPr>
+        <p:pic>
+          <p:nvPicPr>
+            <p:cNvPr id="3" name="图片 2">
+              <a:extLst>
+                <a:ext uri="{FF2B5EF4-FFF2-40B4-BE49-F238E27FC236}">
+                  <a16:creationId xmlns:a16="http://schemas.microsoft.com/office/drawing/2014/main" id="{FBB5084E-DC38-4FA4-8481-5AE2A78E57A1}"/>
+                </a:ext>
+              </a:extLst>
+            </p:cNvPr>
+            <p:cNvPicPr>
+              <a:picLocks noChangeAspect="1"/>
+            </p:cNvPicPr>
+            <p:nvPr/>
+          </p:nvPicPr>
+          <p:blipFill>
+            <a:blip r:embed="rId2" cstate="print">
+              <a:extLst>
+                <a:ext uri="{28A0092B-C50C-407E-A947-70E740481C1C}">
+                  <a14:useLocalDpi xmlns:a14="http://schemas.microsoft.com/office/drawing/2010/main" val="0"/>
+                </a:ext>
+              </a:extLst>
+            </a:blip>
+            <a:stretch>
+              <a:fillRect/>
+            </a:stretch>
+          </p:blipFill>
+          <p:spPr>
+            <a:xfrm>
+              <a:off x="3501980" y="647451"/>
+              <a:ext cx="1291000" cy="1874032"/>
+            </a:xfrm>
+            <a:prstGeom prst="rect">
+              <a:avLst/>
+            </a:prstGeom>
+          </p:spPr>
+        </p:pic>
+        <p:pic>
+          <p:nvPicPr>
+            <p:cNvPr id="5" name="图片 4">
+              <a:extLst>
+                <a:ext uri="{FF2B5EF4-FFF2-40B4-BE49-F238E27FC236}">
+                  <a16:creationId xmlns:a16="http://schemas.microsoft.com/office/drawing/2014/main" id="{F01A0825-18CA-4136-A596-0FE0D66A826A}"/>
+                </a:ext>
+              </a:extLst>
+            </p:cNvPr>
+            <p:cNvPicPr>
+              <a:picLocks noChangeAspect="1"/>
+            </p:cNvPicPr>
+            <p:nvPr/>
+          </p:nvPicPr>
+          <p:blipFill>
+            <a:blip r:embed="rId3" cstate="print">
+              <a:extLst>
+                <a:ext uri="{28A0092B-C50C-407E-A947-70E740481C1C}">
+                  <a14:useLocalDpi xmlns:a14="http://schemas.microsoft.com/office/drawing/2010/main" val="0"/>
+                </a:ext>
+              </a:extLst>
+            </a:blip>
+            <a:stretch>
+              <a:fillRect/>
+            </a:stretch>
+          </p:blipFill>
+          <p:spPr>
+            <a:xfrm>
+              <a:off x="4791294" y="647451"/>
+              <a:ext cx="1304706" cy="1874032"/>
+            </a:xfrm>
+            <a:prstGeom prst="rect">
+              <a:avLst/>
+            </a:prstGeom>
+          </p:spPr>
+        </p:pic>
+        <p:pic>
+          <p:nvPicPr>
+            <p:cNvPr id="7" name="图片 6">
+              <a:extLst>
+                <a:ext uri="{FF2B5EF4-FFF2-40B4-BE49-F238E27FC236}">
+                  <a16:creationId xmlns:a16="http://schemas.microsoft.com/office/drawing/2014/main" id="{B5D5DDE1-A11F-4959-81A8-D41EDAA0428F}"/>
+                </a:ext>
+              </a:extLst>
+            </p:cNvPr>
+            <p:cNvPicPr>
+              <a:picLocks noChangeAspect="1"/>
+            </p:cNvPicPr>
+            <p:nvPr/>
+          </p:nvPicPr>
+          <p:blipFill>
+            <a:blip r:embed="rId4" cstate="print">
+              <a:extLst>
+                <a:ext uri="{28A0092B-C50C-407E-A947-70E740481C1C}">
+                  <a14:useLocalDpi xmlns:a14="http://schemas.microsoft.com/office/drawing/2010/main" val="0"/>
+                </a:ext>
+              </a:extLst>
+            </a:blip>
+            <a:stretch>
+              <a:fillRect/>
+            </a:stretch>
+          </p:blipFill>
+          <p:spPr>
+            <a:xfrm>
+              <a:off x="6096001" y="647451"/>
+              <a:ext cx="1304532" cy="1874032"/>
+            </a:xfrm>
+            <a:prstGeom prst="rect">
+              <a:avLst/>
+            </a:prstGeom>
+          </p:spPr>
+        </p:pic>
+        <p:grpSp>
+          <p:nvGrpSpPr>
+            <p:cNvPr id="20" name="组合 19">
+              <a:extLst>
+                <a:ext uri="{FF2B5EF4-FFF2-40B4-BE49-F238E27FC236}">
+                  <a16:creationId xmlns:a16="http://schemas.microsoft.com/office/drawing/2014/main" id="{28632C77-E151-4EA2-81D3-517CACA0D884}"/>
+                </a:ext>
+              </a:extLst>
+            </p:cNvPr>
+            <p:cNvGrpSpPr/>
+            <p:nvPr/>
+          </p:nvGrpSpPr>
+          <p:grpSpPr>
+            <a:xfrm>
+              <a:off x="2358224" y="2582441"/>
+              <a:ext cx="6258417" cy="3000375"/>
+              <a:chOff x="2358224" y="2582441"/>
+              <a:chExt cx="6258417" cy="3000375"/>
+            </a:xfrm>
+          </p:grpSpPr>
+          <p:pic>
+            <p:nvPicPr>
+              <p:cNvPr id="9" name="图片 8">
+                <a:extLst>
+                  <a:ext uri="{FF2B5EF4-FFF2-40B4-BE49-F238E27FC236}">
+                    <a16:creationId xmlns:a16="http://schemas.microsoft.com/office/drawing/2014/main" id="{29471184-341B-4A7E-8B0A-F9B1115E6457}"/>
+                  </a:ext>
+                </a:extLst>
+              </p:cNvPr>
+              <p:cNvPicPr>
+                <a:picLocks noChangeAspect="1"/>
+              </p:cNvPicPr>
+              <p:nvPr/>
+            </p:nvPicPr>
+            <p:blipFill>
+              <a:blip r:embed="rId5" cstate="print">
+                <a:extLst>
+                  <a:ext uri="{28A0092B-C50C-407E-A947-70E740481C1C}">
+                    <a14:useLocalDpi xmlns:a14="http://schemas.microsoft.com/office/drawing/2010/main" val="0"/>
+                  </a:ext>
+                </a:extLst>
+              </a:blip>
+              <a:stretch>
+                <a:fillRect/>
+              </a:stretch>
+            </p:blipFill>
+            <p:spPr>
+              <a:xfrm>
+                <a:off x="2358225" y="2582442"/>
+                <a:ext cx="2058910" cy="1358107"/>
+              </a:xfrm>
+              <a:prstGeom prst="rect">
+                <a:avLst/>
+              </a:prstGeom>
+            </p:spPr>
+          </p:pic>
+          <p:pic>
+            <p:nvPicPr>
+              <p:cNvPr id="11" name="图片 10">
+                <a:extLst>
+                  <a:ext uri="{FF2B5EF4-FFF2-40B4-BE49-F238E27FC236}">
+                    <a16:creationId xmlns:a16="http://schemas.microsoft.com/office/drawing/2014/main" id="{DA4A583E-CA56-42B3-9197-EC77CF6218AF}"/>
+                  </a:ext>
+                </a:extLst>
+              </p:cNvPr>
+              <p:cNvPicPr>
+                <a:picLocks noChangeAspect="1"/>
+              </p:cNvPicPr>
+              <p:nvPr/>
+            </p:nvPicPr>
+            <p:blipFill>
+              <a:blip r:embed="rId6" cstate="print">
+                <a:extLst>
+                  <a:ext uri="{28A0092B-C50C-407E-A947-70E740481C1C}">
+                    <a14:useLocalDpi xmlns:a14="http://schemas.microsoft.com/office/drawing/2010/main" val="0"/>
+                  </a:ext>
+                </a:extLst>
+              </a:blip>
+              <a:stretch>
+                <a:fillRect/>
+              </a:stretch>
+            </p:blipFill>
+            <p:spPr>
+              <a:xfrm>
+                <a:off x="4482894" y="2582441"/>
+                <a:ext cx="2044393" cy="1358107"/>
+              </a:xfrm>
+              <a:prstGeom prst="rect">
+                <a:avLst/>
+              </a:prstGeom>
+            </p:spPr>
+          </p:pic>
+          <p:pic>
+            <p:nvPicPr>
+              <p:cNvPr id="13" name="图片 12">
+                <a:extLst>
+                  <a:ext uri="{FF2B5EF4-FFF2-40B4-BE49-F238E27FC236}">
+                    <a16:creationId xmlns:a16="http://schemas.microsoft.com/office/drawing/2014/main" id="{C70CE480-F767-43AE-B5F2-F54023C7CA85}"/>
+                  </a:ext>
+                </a:extLst>
+              </p:cNvPr>
+              <p:cNvPicPr>
+                <a:picLocks noChangeAspect="1"/>
+              </p:cNvPicPr>
+              <p:nvPr/>
+            </p:nvPicPr>
+            <p:blipFill>
+              <a:blip r:embed="rId7" cstate="print">
+                <a:extLst>
+                  <a:ext uri="{28A0092B-C50C-407E-A947-70E740481C1C}">
+                    <a14:useLocalDpi xmlns:a14="http://schemas.microsoft.com/office/drawing/2010/main" val="0"/>
+                  </a:ext>
+                </a:extLst>
+              </a:blip>
+              <a:stretch>
+                <a:fillRect/>
+              </a:stretch>
+            </p:blipFill>
+            <p:spPr>
+              <a:xfrm>
+                <a:off x="6593046" y="2582441"/>
+                <a:ext cx="2023594" cy="1358107"/>
+              </a:xfrm>
+              <a:prstGeom prst="rect">
+                <a:avLst/>
+              </a:prstGeom>
+            </p:spPr>
+          </p:pic>
+          <p:pic>
+            <p:nvPicPr>
+              <p:cNvPr id="15" name="图片 14">
+                <a:extLst>
+                  <a:ext uri="{FF2B5EF4-FFF2-40B4-BE49-F238E27FC236}">
+                    <a16:creationId xmlns:a16="http://schemas.microsoft.com/office/drawing/2014/main" id="{C559D7D7-ABD1-4E7D-9B14-5DE782B15872}"/>
+                  </a:ext>
+                </a:extLst>
+              </p:cNvPr>
+              <p:cNvPicPr>
+                <a:picLocks noChangeAspect="1"/>
+              </p:cNvPicPr>
+              <p:nvPr/>
+            </p:nvPicPr>
+            <p:blipFill>
+              <a:blip r:embed="rId8" cstate="print">
+                <a:extLst>
+                  <a:ext uri="{28A0092B-C50C-407E-A947-70E740481C1C}">
+                    <a14:useLocalDpi xmlns:a14="http://schemas.microsoft.com/office/drawing/2010/main" val="0"/>
+                  </a:ext>
+                </a:extLst>
+              </a:blip>
+              <a:stretch>
+                <a:fillRect/>
+              </a:stretch>
+            </p:blipFill>
+            <p:spPr>
+              <a:xfrm>
+                <a:off x="2358224" y="4001507"/>
+                <a:ext cx="2058909" cy="1581309"/>
+              </a:xfrm>
+              <a:prstGeom prst="rect">
+                <a:avLst/>
+              </a:prstGeom>
+            </p:spPr>
+          </p:pic>
+          <p:pic>
+            <p:nvPicPr>
+              <p:cNvPr id="17" name="图片 16">
+                <a:extLst>
+                  <a:ext uri="{FF2B5EF4-FFF2-40B4-BE49-F238E27FC236}">
+                    <a16:creationId xmlns:a16="http://schemas.microsoft.com/office/drawing/2014/main" id="{CA4D9C15-7EB1-4BCA-8A76-0614F5ADDFEC}"/>
+                  </a:ext>
+                </a:extLst>
+              </p:cNvPr>
+              <p:cNvPicPr>
+                <a:picLocks noChangeAspect="1"/>
+              </p:cNvPicPr>
+              <p:nvPr/>
+            </p:nvPicPr>
+            <p:blipFill>
+              <a:blip r:embed="rId9" cstate="print">
+                <a:extLst>
+                  <a:ext uri="{28A0092B-C50C-407E-A947-70E740481C1C}">
+                    <a14:useLocalDpi xmlns:a14="http://schemas.microsoft.com/office/drawing/2010/main" val="0"/>
+                  </a:ext>
+                </a:extLst>
+              </a:blip>
+              <a:stretch>
+                <a:fillRect/>
+              </a:stretch>
+            </p:blipFill>
+            <p:spPr>
+              <a:xfrm>
+                <a:off x="4482894" y="4001506"/>
+                <a:ext cx="2044393" cy="1581309"/>
+              </a:xfrm>
+              <a:prstGeom prst="rect">
+                <a:avLst/>
+              </a:prstGeom>
+            </p:spPr>
+          </p:pic>
+          <p:pic>
+            <p:nvPicPr>
+              <p:cNvPr id="19" name="图片 18">
+                <a:extLst>
+                  <a:ext uri="{FF2B5EF4-FFF2-40B4-BE49-F238E27FC236}">
+                    <a16:creationId xmlns:a16="http://schemas.microsoft.com/office/drawing/2014/main" id="{B9620689-4712-4444-9184-D9DA5A7D4C1C}"/>
+                  </a:ext>
+                </a:extLst>
+              </p:cNvPr>
+              <p:cNvPicPr>
+                <a:picLocks noChangeAspect="1"/>
+              </p:cNvPicPr>
+              <p:nvPr/>
+            </p:nvPicPr>
+            <p:blipFill>
+              <a:blip r:embed="rId10" cstate="print">
+                <a:extLst>
+                  <a:ext uri="{28A0092B-C50C-407E-A947-70E740481C1C}">
+                    <a14:useLocalDpi xmlns:a14="http://schemas.microsoft.com/office/drawing/2010/main" val="0"/>
+                  </a:ext>
+                </a:extLst>
+              </a:blip>
+              <a:stretch>
+                <a:fillRect/>
+              </a:stretch>
+            </p:blipFill>
+            <p:spPr>
+              <a:xfrm>
+                <a:off x="6593047" y="4001507"/>
+                <a:ext cx="2023594" cy="1581308"/>
+              </a:xfrm>
+              <a:prstGeom prst="rect">
+                <a:avLst/>
+              </a:prstGeom>
+            </p:spPr>
+          </p:pic>
+        </p:grpSp>
+      </p:grpSp>
     </p:spTree>
     <p:extLst>
       <p:ext uri="{BB962C8B-B14F-4D97-AF65-F5344CB8AC3E}">
-        <p14:creationId xmlns:p14="http://schemas.microsoft.com/office/powerpoint/2010/main" val="603546357"/>
+        <p14:creationId xmlns:p14="http://schemas.microsoft.com/office/powerpoint/2010/main" val="4087881560"/>
       </p:ext>
     </p:extLst>
   </p:cSld>
